--- a/LogisticRegression_Interpreting Estimates.pptx
+++ b/LogisticRegression_Interpreting Estimates.pptx
@@ -5,10 +5,10 @@
     <p:sldMasterId id="2147483754" r:id="rId1"/>
   </p:sldMasterIdLst>
   <p:notesMasterIdLst>
-    <p:notesMasterId r:id="rId11"/>
+    <p:notesMasterId r:id="rId13"/>
   </p:notesMasterIdLst>
   <p:handoutMasterIdLst>
-    <p:handoutMasterId r:id="rId12"/>
+    <p:handoutMasterId r:id="rId14"/>
   </p:handoutMasterIdLst>
   <p:sldIdLst>
     <p:sldId id="256" r:id="rId2"/>
@@ -20,6 +20,8 @@
     <p:sldId id="258" r:id="rId8"/>
     <p:sldId id="260" r:id="rId9"/>
     <p:sldId id="263" r:id="rId10"/>
+    <p:sldId id="266" r:id="rId11"/>
+    <p:sldId id="267" r:id="rId12"/>
   </p:sldIdLst>
   <p:sldSz cx="12192000" cy="6858000"/>
   <p:notesSz cx="6858000" cy="9144000"/>
@@ -220,7 +222,7 @@
           <a:p>
             <a:fld id="{1603FB35-B1B7-B647-BA3C-74BB2595DE1B}" type="datetimeFigureOut">
               <a:rPr lang="en-US" smtClean="0"/>
-              <a:t>7/6/2022</a:t>
+              <a:t>7/8/2022</a:t>
             </a:fld>
             <a:endParaRPr lang="en-US"/>
           </a:p>
@@ -397,7 +399,7 @@
           <a:p>
             <a:fld id="{14B82E39-DEDD-574D-AC8B-66EE4540ED20}" type="datetimeFigureOut">
               <a:rPr lang="en-US" smtClean="0"/>
-              <a:t>7/6/2022</a:t>
+              <a:t>7/8/2022</a:t>
             </a:fld>
             <a:endParaRPr lang="en-US"/>
           </a:p>
@@ -1002,6 +1004,93 @@
 </p:notes>
 </file>
 
+<file path=ppt/notesSlides/notesSlide4.xml><?xml version="1.0" encoding="utf-8"?>
+<p:notes xmlns:a="http://schemas.openxmlformats.org/drawingml/2006/main" xmlns:r="http://schemas.openxmlformats.org/officeDocument/2006/relationships" xmlns:p="http://schemas.openxmlformats.org/presentationml/2006/main">
+  <p:cSld>
+    <p:spTree>
+      <p:nvGrpSpPr>
+        <p:cNvPr id="1" name=""/>
+        <p:cNvGrpSpPr/>
+        <p:nvPr/>
+      </p:nvGrpSpPr>
+      <p:grpSpPr>
+        <a:xfrm>
+          <a:off x="0" y="0"/>
+          <a:ext cx="0" cy="0"/>
+          <a:chOff x="0" y="0"/>
+          <a:chExt cx="0" cy="0"/>
+        </a:xfrm>
+      </p:grpSpPr>
+      <p:sp>
+        <p:nvSpPr>
+          <p:cNvPr id="2" name="Slide Image Placeholder 1"/>
+          <p:cNvSpPr>
+            <a:spLocks noGrp="1" noRot="1" noChangeAspect="1"/>
+          </p:cNvSpPr>
+          <p:nvPr>
+            <p:ph type="sldImg"/>
+          </p:nvPr>
+        </p:nvSpPr>
+        <p:spPr/>
+      </p:sp>
+      <p:sp>
+        <p:nvSpPr>
+          <p:cNvPr id="3" name="Notes Placeholder 2"/>
+          <p:cNvSpPr>
+            <a:spLocks noGrp="1"/>
+          </p:cNvSpPr>
+          <p:nvPr>
+            <p:ph type="body" idx="1"/>
+          </p:nvPr>
+        </p:nvSpPr>
+        <p:spPr/>
+        <p:txBody>
+          <a:bodyPr/>
+          <a:lstStyle/>
+          <a:p>
+            <a:r>
+              <a:rPr lang="en-US" dirty="0"/>
+              <a:t>This is a prime example of an intercept not REALLY making a whole lot of sense. HOW would someone get a pizza if they NEVER posted on Reddit OR the RAOP board?!?! :) </a:t>
+            </a:r>
+          </a:p>
+        </p:txBody>
+      </p:sp>
+      <p:sp>
+        <p:nvSpPr>
+          <p:cNvPr id="4" name="Slide Number Placeholder 3"/>
+          <p:cNvSpPr>
+            <a:spLocks noGrp="1"/>
+          </p:cNvSpPr>
+          <p:nvPr>
+            <p:ph type="sldNum" sz="quarter" idx="5"/>
+          </p:nvPr>
+        </p:nvSpPr>
+        <p:spPr/>
+        <p:txBody>
+          <a:bodyPr/>
+          <a:lstStyle/>
+          <a:p>
+            <a:fld id="{06375D2C-8DCD-1F42-B81D-63CD0D643621}" type="slidenum">
+              <a:rPr lang="en-US" smtClean="0"/>
+              <a:t>11</a:t>
+            </a:fld>
+            <a:endParaRPr lang="en-US"/>
+          </a:p>
+        </p:txBody>
+      </p:sp>
+    </p:spTree>
+    <p:extLst>
+      <p:ext uri="{BB962C8B-B14F-4D97-AF65-F5344CB8AC3E}">
+        <p14:creationId xmlns:p14="http://schemas.microsoft.com/office/powerpoint/2010/main" val="2053547924"/>
+      </p:ext>
+    </p:extLst>
+  </p:cSld>
+  <p:clrMapOvr>
+    <a:masterClrMapping/>
+  </p:clrMapOvr>
+</p:notes>
+</file>
+
 <file path=ppt/slideLayouts/slideLayout1.xml><?xml version="1.0" encoding="utf-8"?>
 <p:sldLayout xmlns:a="http://schemas.openxmlformats.org/drawingml/2006/main" xmlns:r="http://schemas.openxmlformats.org/officeDocument/2006/relationships" xmlns:p="http://schemas.openxmlformats.org/presentationml/2006/main" showMasterSp="0" type="title" preserve="1">
   <p:cSld name="Title Slide">
@@ -1228,7 +1317,7 @@
           <a:p>
             <a:fld id="{910CFFDE-5A9C-434C-9BDA-840F28716BB4}" type="datetime1">
               <a:rPr lang="en-US" smtClean="0"/>
-              <a:t>7/6/2022</a:t>
+              <a:t>7/8/2022</a:t>
             </a:fld>
             <a:endParaRPr lang="en-US"/>
           </a:p>
@@ -1436,7 +1525,7 @@
           <a:p>
             <a:fld id="{D965A8EA-3362-5644-AFD2-88938B68135E}" type="datetime1">
               <a:rPr lang="en-US" smtClean="0"/>
-              <a:t>7/6/2022</a:t>
+              <a:t>7/8/2022</a:t>
             </a:fld>
             <a:endParaRPr lang="en-US"/>
           </a:p>
@@ -1692,7 +1781,7 @@
           <a:p>
             <a:fld id="{31D01E7A-C28F-8640-BCC9-7B0165533855}" type="datetime1">
               <a:rPr lang="en-US" smtClean="0"/>
-              <a:t>7/6/2022</a:t>
+              <a:t>7/8/2022</a:t>
             </a:fld>
             <a:endParaRPr lang="en-US"/>
           </a:p>
@@ -1862,7 +1951,7 @@
           <a:p>
             <a:fld id="{18A68FBE-48E2-0247-85BF-51E9692C9D1C}" type="datetime1">
               <a:rPr lang="en-US" smtClean="0"/>
-              <a:t>7/6/2022</a:t>
+              <a:t>7/8/2022</a:t>
             </a:fld>
             <a:endParaRPr lang="en-US"/>
           </a:p>
@@ -2205,7 +2294,7 @@
           <a:p>
             <a:fld id="{DD66CEF7-7813-2B44-917B-F3A638191D9B}" type="datetime1">
               <a:rPr lang="en-US" smtClean="0"/>
-              <a:t>7/6/2022</a:t>
+              <a:t>7/8/2022</a:t>
             </a:fld>
             <a:endParaRPr lang="en-US"/>
           </a:p>
@@ -2480,7 +2569,7 @@
           <a:p>
             <a:fld id="{20A8DEBF-2538-004F-B85C-B634C9C3C3DF}" type="datetime1">
               <a:rPr lang="en-US" smtClean="0"/>
-              <a:t>7/6/2022</a:t>
+              <a:t>7/8/2022</a:t>
             </a:fld>
             <a:endParaRPr lang="en-US"/>
           </a:p>
@@ -2859,7 +2948,7 @@
           <a:p>
             <a:fld id="{B0285AED-6282-BE48-8C75-3A546E1DF50E}" type="datetime1">
               <a:rPr lang="en-US" smtClean="0"/>
-              <a:t>7/6/2022</a:t>
+              <a:t>7/8/2022</a:t>
             </a:fld>
             <a:endParaRPr lang="en-US"/>
           </a:p>
@@ -2977,7 +3066,7 @@
           <a:p>
             <a:fld id="{5B724E9F-E432-CB48-BD05-3AF0553EE92E}" type="datetime1">
               <a:rPr lang="en-US" smtClean="0"/>
-              <a:t>7/6/2022</a:t>
+              <a:t>7/8/2022</a:t>
             </a:fld>
             <a:endParaRPr lang="en-US"/>
           </a:p>
@@ -3148,7 +3237,7 @@
           <a:p>
             <a:fld id="{DF65A045-8B70-074D-ACEB-6DC318A7F00D}" type="datetime1">
               <a:rPr lang="en-US" smtClean="0"/>
-              <a:t>7/6/2022</a:t>
+              <a:t>7/8/2022</a:t>
             </a:fld>
             <a:endParaRPr lang="en-US"/>
           </a:p>
@@ -3502,7 +3591,7 @@
           <a:p>
             <a:fld id="{CA6560AE-E1B9-9142-95A3-3EF936819D4B}" type="datetime1">
               <a:rPr lang="en-US" smtClean="0"/>
-              <a:t>7/6/2022</a:t>
+              <a:t>7/8/2022</a:t>
             </a:fld>
             <a:endParaRPr lang="en-US"/>
           </a:p>
@@ -3879,7 +3968,7 @@
           <a:p>
             <a:fld id="{908C4134-AAA9-EC46-B244-1800AE0C1D6F}" type="datetime1">
               <a:rPr lang="en-US" smtClean="0"/>
-              <a:t>7/6/2022</a:t>
+              <a:t>7/8/2022</a:t>
             </a:fld>
             <a:endParaRPr lang="en-US"/>
           </a:p>
@@ -4166,7 +4255,7 @@
           <a:p>
             <a:fld id="{C8E66055-2DD2-BA4D-A50C-9BAACFBE01CD}" type="datetime1">
               <a:rPr lang="en-US" smtClean="0"/>
-              <a:t>7/6/2022</a:t>
+              <a:t>7/8/2022</a:t>
             </a:fld>
             <a:endParaRPr lang="en-US"/>
           </a:p>
@@ -4767,6 +4856,743 @@
     <p:extLst>
       <p:ext uri="{BB962C8B-B14F-4D97-AF65-F5344CB8AC3E}">
         <p14:creationId xmlns:p14="http://schemas.microsoft.com/office/powerpoint/2010/main" val="1453737975"/>
+      </p:ext>
+    </p:extLst>
+  </p:cSld>
+  <p:clrMapOvr>
+    <a:masterClrMapping/>
+  </p:clrMapOvr>
+</p:sld>
+</file>
+
+<file path=ppt/slides/slide10.xml><?xml version="1.0" encoding="utf-8"?>
+<p:sld xmlns:a="http://schemas.openxmlformats.org/drawingml/2006/main" xmlns:r="http://schemas.openxmlformats.org/officeDocument/2006/relationships" xmlns:p="http://schemas.openxmlformats.org/presentationml/2006/main">
+  <p:cSld>
+    <p:spTree>
+      <p:nvGrpSpPr>
+        <p:cNvPr id="1" name=""/>
+        <p:cNvGrpSpPr/>
+        <p:nvPr/>
+      </p:nvGrpSpPr>
+      <p:grpSpPr>
+        <a:xfrm>
+          <a:off x="0" y="0"/>
+          <a:ext cx="0" cy="0"/>
+          <a:chOff x="0" y="0"/>
+          <a:chExt cx="0" cy="0"/>
+        </a:xfrm>
+      </p:grpSpPr>
+      <p:sp>
+        <p:nvSpPr>
+          <p:cNvPr id="2" name="Title 1">
+            <a:extLst>
+              <a:ext uri="{FF2B5EF4-FFF2-40B4-BE49-F238E27FC236}">
+                <a16:creationId xmlns:a16="http://schemas.microsoft.com/office/drawing/2014/main" id="{426C6FC0-868A-FB7F-4D47-B4B2DEC2E301}"/>
+              </a:ext>
+            </a:extLst>
+          </p:cNvPr>
+          <p:cNvSpPr>
+            <a:spLocks noGrp="1"/>
+          </p:cNvSpPr>
+          <p:nvPr>
+            <p:ph type="title"/>
+          </p:nvPr>
+        </p:nvSpPr>
+        <p:spPr/>
+        <p:txBody>
+          <a:bodyPr/>
+          <a:lstStyle/>
+          <a:p>
+            <a:r>
+              <a:rPr lang="en-US" dirty="0"/>
+              <a:t>Let’s not forget the intercept!</a:t>
+            </a:r>
+          </a:p>
+        </p:txBody>
+      </p:sp>
+      <p:sp>
+        <p:nvSpPr>
+          <p:cNvPr id="3" name="Content Placeholder 2">
+            <a:extLst>
+              <a:ext uri="{FF2B5EF4-FFF2-40B4-BE49-F238E27FC236}">
+                <a16:creationId xmlns:a16="http://schemas.microsoft.com/office/drawing/2014/main" id="{E2B6F0D7-B78B-667A-96D9-5BD2844F05CA}"/>
+              </a:ext>
+            </a:extLst>
+          </p:cNvPr>
+          <p:cNvSpPr>
+            <a:spLocks noGrp="1"/>
+          </p:cNvSpPr>
+          <p:nvPr>
+            <p:ph idx="1"/>
+          </p:nvPr>
+        </p:nvSpPr>
+        <p:spPr>
+          <a:xfrm>
+            <a:off x="1097280" y="1845733"/>
+            <a:ext cx="10058400" cy="4517359"/>
+          </a:xfrm>
+        </p:spPr>
+        <p:txBody>
+          <a:bodyPr>
+            <a:normAutofit fontScale="85000" lnSpcReduction="20000"/>
+          </a:bodyPr>
+          <a:lstStyle/>
+          <a:p>
+            <a:r>
+              <a:rPr lang="en-US" dirty="0"/>
+              <a:t>Just like in our MLR models, the intercept is the predicted value of our dependent variable when all of our IVs are 0.  In logistic models we can take that estimate and apply a transformation to calculate the baseline probability for when all our IVs are 0s.</a:t>
+            </a:r>
+          </a:p>
+          <a:p>
+            <a:r>
+              <a:rPr lang="en-US" dirty="0"/>
+              <a:t>Here’s the transformation formula:</a:t>
+            </a:r>
+          </a:p>
+          <a:p>
+            <a:pPr marL="201168" lvl="1" indent="0" algn="ctr">
+              <a:buNone/>
+            </a:pPr>
+            <a:r>
+              <a:rPr lang="en-US" u="sng" dirty="0"/>
+              <a:t>exp(intercept)</a:t>
+            </a:r>
+          </a:p>
+          <a:p>
+            <a:pPr marL="201168" lvl="1" indent="0" algn="ctr">
+              <a:buNone/>
+            </a:pPr>
+            <a:r>
+              <a:rPr lang="en-US" dirty="0"/>
+              <a:t>(1 + exp(intercept))</a:t>
+            </a:r>
+          </a:p>
+          <a:p>
+            <a:pPr marL="201168" lvl="1" indent="0">
+              <a:buNone/>
+            </a:pPr>
+            <a:r>
+              <a:rPr lang="en-US" dirty="0"/>
+              <a:t>Sticking with our in-class example:</a:t>
+            </a:r>
+          </a:p>
+          <a:p>
+            <a:pPr lvl="1"/>
+            <a:r>
+              <a:rPr lang="en-US" dirty="0"/>
+              <a:t>Intercept = -1.512433</a:t>
+            </a:r>
+          </a:p>
+          <a:p>
+            <a:pPr marL="201168" lvl="1" indent="0" algn="ctr">
+              <a:buNone/>
+            </a:pPr>
+            <a:r>
+              <a:rPr lang="en-US" u="sng" dirty="0"/>
+              <a:t>exp(-1.512433)</a:t>
+            </a:r>
+          </a:p>
+          <a:p>
+            <a:pPr marL="201168" lvl="1" indent="0" algn="ctr">
+              <a:buNone/>
+            </a:pPr>
+            <a:r>
+              <a:rPr lang="en-US" dirty="0"/>
+              <a:t>(1 + exp(-1.512433))</a:t>
+            </a:r>
+          </a:p>
+          <a:p>
+            <a:pPr marL="201168" lvl="1" indent="0" algn="ctr">
+              <a:buNone/>
+            </a:pPr>
+            <a:endParaRPr lang="en-US" dirty="0"/>
+          </a:p>
+          <a:p>
+            <a:pPr marL="201168" lvl="1" indent="0" algn="ctr">
+              <a:buNone/>
+            </a:pPr>
+            <a:r>
+              <a:rPr lang="en-US" u="sng" dirty="0"/>
+              <a:t>0.2203732</a:t>
+            </a:r>
+          </a:p>
+          <a:p>
+            <a:pPr marL="201168" lvl="1" indent="0" algn="ctr">
+              <a:buNone/>
+            </a:pPr>
+            <a:r>
+              <a:rPr lang="en-US" dirty="0"/>
+              <a:t>1 + 0.2203732</a:t>
+            </a:r>
+          </a:p>
+          <a:p>
+            <a:pPr marL="201168" lvl="1" indent="0" algn="ctr">
+              <a:buNone/>
+            </a:pPr>
+            <a:endParaRPr lang="en-US" dirty="0"/>
+          </a:p>
+          <a:p>
+            <a:pPr marL="201168" lvl="1" indent="0" algn="ctr">
+              <a:buNone/>
+            </a:pPr>
+            <a:r>
+              <a:rPr lang="en-US" u="sng" dirty="0"/>
+              <a:t>0.2203732</a:t>
+            </a:r>
+          </a:p>
+          <a:p>
+            <a:pPr marL="201168" lvl="1" indent="0" algn="ctr">
+              <a:buNone/>
+            </a:pPr>
+            <a:r>
+              <a:rPr lang="en-US" dirty="0"/>
+              <a:t>1.2203732</a:t>
+            </a:r>
+          </a:p>
+          <a:p>
+            <a:pPr marL="201168" lvl="1" indent="0" algn="ctr">
+              <a:buNone/>
+            </a:pPr>
+            <a:endParaRPr lang="en-US" dirty="0"/>
+          </a:p>
+          <a:p>
+            <a:pPr marL="201168" lvl="1" indent="0" algn="ctr">
+              <a:buNone/>
+            </a:pPr>
+            <a:r>
+              <a:rPr lang="en-US" sz="2600" b="1" dirty="0"/>
+              <a:t>0.18</a:t>
+            </a:r>
+            <a:endParaRPr lang="en-US" b="1" dirty="0"/>
+          </a:p>
+          <a:p>
+            <a:pPr lvl="1"/>
+            <a:endParaRPr lang="en-US" dirty="0"/>
+          </a:p>
+        </p:txBody>
+      </p:sp>
+      <p:sp>
+        <p:nvSpPr>
+          <p:cNvPr id="4" name="Slide Number Placeholder 3">
+            <a:extLst>
+              <a:ext uri="{FF2B5EF4-FFF2-40B4-BE49-F238E27FC236}">
+                <a16:creationId xmlns:a16="http://schemas.microsoft.com/office/drawing/2014/main" id="{F757D908-7137-9648-60B3-01456286FC0E}"/>
+              </a:ext>
+            </a:extLst>
+          </p:cNvPr>
+          <p:cNvSpPr>
+            <a:spLocks noGrp="1"/>
+          </p:cNvSpPr>
+          <p:nvPr>
+            <p:ph type="sldNum" sz="quarter" idx="12"/>
+          </p:nvPr>
+        </p:nvSpPr>
+        <p:spPr/>
+        <p:txBody>
+          <a:bodyPr/>
+          <a:lstStyle/>
+          <a:p>
+            <a:fld id="{655B1877-E40C-6447-A1C3-237F6F6BE36D}" type="slidenum">
+              <a:rPr lang="en-US" smtClean="0"/>
+              <a:t>10</a:t>
+            </a:fld>
+            <a:endParaRPr lang="en-US"/>
+          </a:p>
+        </p:txBody>
+      </p:sp>
+      <p:sp>
+        <p:nvSpPr>
+          <p:cNvPr id="5" name="Equals 4">
+            <a:extLst>
+              <a:ext uri="{FF2B5EF4-FFF2-40B4-BE49-F238E27FC236}">
+                <a16:creationId xmlns:a16="http://schemas.microsoft.com/office/drawing/2014/main" id="{DC814A7D-CAF9-18A7-926B-0D408F198A02}"/>
+              </a:ext>
+            </a:extLst>
+          </p:cNvPr>
+          <p:cNvSpPr/>
+          <p:nvPr/>
+        </p:nvSpPr>
+        <p:spPr>
+          <a:xfrm>
+            <a:off x="5071617" y="2879697"/>
+            <a:ext cx="358219" cy="263950"/>
+          </a:xfrm>
+          <a:prstGeom prst="mathEqual">
+            <a:avLst/>
+          </a:prstGeom>
+        </p:spPr>
+        <p:style>
+          <a:lnRef idx="2">
+            <a:schemeClr val="accent1">
+              <a:shade val="50000"/>
+            </a:schemeClr>
+          </a:lnRef>
+          <a:fillRef idx="1">
+            <a:schemeClr val="accent1"/>
+          </a:fillRef>
+          <a:effectRef idx="0">
+            <a:schemeClr val="accent1"/>
+          </a:effectRef>
+          <a:fontRef idx="minor">
+            <a:schemeClr val="lt1"/>
+          </a:fontRef>
+        </p:style>
+        <p:txBody>
+          <a:bodyPr rtlCol="0" anchor="ctr"/>
+          <a:lstStyle/>
+          <a:p>
+            <a:pPr algn="ctr"/>
+            <a:endParaRPr lang="en-US">
+              <a:solidFill>
+                <a:schemeClr val="tx1"/>
+              </a:solidFill>
+            </a:endParaRPr>
+          </a:p>
+        </p:txBody>
+      </p:sp>
+      <p:sp>
+        <p:nvSpPr>
+          <p:cNvPr id="6" name="Equals 5">
+            <a:extLst>
+              <a:ext uri="{FF2B5EF4-FFF2-40B4-BE49-F238E27FC236}">
+                <a16:creationId xmlns:a16="http://schemas.microsoft.com/office/drawing/2014/main" id="{8A4DD97B-367F-6579-5743-DE1AF7D223FC}"/>
+              </a:ext>
+            </a:extLst>
+          </p:cNvPr>
+          <p:cNvSpPr/>
+          <p:nvPr/>
+        </p:nvSpPr>
+        <p:spPr>
+          <a:xfrm>
+            <a:off x="5071617" y="3906451"/>
+            <a:ext cx="358219" cy="263950"/>
+          </a:xfrm>
+          <a:prstGeom prst="mathEqual">
+            <a:avLst/>
+          </a:prstGeom>
+        </p:spPr>
+        <p:style>
+          <a:lnRef idx="2">
+            <a:schemeClr val="accent1">
+              <a:shade val="50000"/>
+            </a:schemeClr>
+          </a:lnRef>
+          <a:fillRef idx="1">
+            <a:schemeClr val="accent1"/>
+          </a:fillRef>
+          <a:effectRef idx="0">
+            <a:schemeClr val="accent1"/>
+          </a:effectRef>
+          <a:fontRef idx="minor">
+            <a:schemeClr val="lt1"/>
+          </a:fontRef>
+        </p:style>
+        <p:txBody>
+          <a:bodyPr rtlCol="0" anchor="ctr"/>
+          <a:lstStyle/>
+          <a:p>
+            <a:pPr algn="ctr"/>
+            <a:endParaRPr lang="en-US">
+              <a:solidFill>
+                <a:schemeClr val="tx1"/>
+              </a:solidFill>
+            </a:endParaRPr>
+          </a:p>
+        </p:txBody>
+      </p:sp>
+      <p:sp>
+        <p:nvSpPr>
+          <p:cNvPr id="7" name="Equals 6">
+            <a:extLst>
+              <a:ext uri="{FF2B5EF4-FFF2-40B4-BE49-F238E27FC236}">
+                <a16:creationId xmlns:a16="http://schemas.microsoft.com/office/drawing/2014/main" id="{3CC1D648-E13C-EF2E-9006-63772DEEDEF0}"/>
+              </a:ext>
+            </a:extLst>
+          </p:cNvPr>
+          <p:cNvSpPr/>
+          <p:nvPr/>
+        </p:nvSpPr>
+        <p:spPr>
+          <a:xfrm>
+            <a:off x="5071617" y="4584585"/>
+            <a:ext cx="358219" cy="263950"/>
+          </a:xfrm>
+          <a:prstGeom prst="mathEqual">
+            <a:avLst/>
+          </a:prstGeom>
+        </p:spPr>
+        <p:style>
+          <a:lnRef idx="2">
+            <a:schemeClr val="accent1">
+              <a:shade val="50000"/>
+            </a:schemeClr>
+          </a:lnRef>
+          <a:fillRef idx="1">
+            <a:schemeClr val="accent1"/>
+          </a:fillRef>
+          <a:effectRef idx="0">
+            <a:schemeClr val="accent1"/>
+          </a:effectRef>
+          <a:fontRef idx="minor">
+            <a:schemeClr val="lt1"/>
+          </a:fontRef>
+        </p:style>
+        <p:txBody>
+          <a:bodyPr rtlCol="0" anchor="ctr"/>
+          <a:lstStyle/>
+          <a:p>
+            <a:pPr algn="ctr"/>
+            <a:endParaRPr lang="en-US">
+              <a:solidFill>
+                <a:schemeClr val="tx1"/>
+              </a:solidFill>
+            </a:endParaRPr>
+          </a:p>
+        </p:txBody>
+      </p:sp>
+      <p:sp>
+        <p:nvSpPr>
+          <p:cNvPr id="8" name="Equals 7">
+            <a:extLst>
+              <a:ext uri="{FF2B5EF4-FFF2-40B4-BE49-F238E27FC236}">
+                <a16:creationId xmlns:a16="http://schemas.microsoft.com/office/drawing/2014/main" id="{1E3F1E64-AB9A-9D55-42C9-5C68A9B6AC2A}"/>
+              </a:ext>
+            </a:extLst>
+          </p:cNvPr>
+          <p:cNvSpPr/>
+          <p:nvPr/>
+        </p:nvSpPr>
+        <p:spPr>
+          <a:xfrm>
+            <a:off x="5071617" y="5250136"/>
+            <a:ext cx="358219" cy="263950"/>
+          </a:xfrm>
+          <a:prstGeom prst="mathEqual">
+            <a:avLst/>
+          </a:prstGeom>
+        </p:spPr>
+        <p:style>
+          <a:lnRef idx="2">
+            <a:schemeClr val="accent1">
+              <a:shade val="50000"/>
+            </a:schemeClr>
+          </a:lnRef>
+          <a:fillRef idx="1">
+            <a:schemeClr val="accent1"/>
+          </a:fillRef>
+          <a:effectRef idx="0">
+            <a:schemeClr val="accent1"/>
+          </a:effectRef>
+          <a:fontRef idx="minor">
+            <a:schemeClr val="lt1"/>
+          </a:fontRef>
+        </p:style>
+        <p:txBody>
+          <a:bodyPr rtlCol="0" anchor="ctr"/>
+          <a:lstStyle/>
+          <a:p>
+            <a:pPr algn="ctr"/>
+            <a:endParaRPr lang="en-US">
+              <a:solidFill>
+                <a:schemeClr val="tx1"/>
+              </a:solidFill>
+            </a:endParaRPr>
+          </a:p>
+        </p:txBody>
+      </p:sp>
+      <p:sp>
+        <p:nvSpPr>
+          <p:cNvPr id="9" name="Equals 8">
+            <a:extLst>
+              <a:ext uri="{FF2B5EF4-FFF2-40B4-BE49-F238E27FC236}">
+                <a16:creationId xmlns:a16="http://schemas.microsoft.com/office/drawing/2014/main" id="{91062996-B1E0-8B0E-8C27-E5487D05E1EA}"/>
+              </a:ext>
+            </a:extLst>
+          </p:cNvPr>
+          <p:cNvSpPr/>
+          <p:nvPr/>
+        </p:nvSpPr>
+        <p:spPr>
+          <a:xfrm>
+            <a:off x="5071616" y="5834895"/>
+            <a:ext cx="358219" cy="263950"/>
+          </a:xfrm>
+          <a:prstGeom prst="mathEqual">
+            <a:avLst/>
+          </a:prstGeom>
+        </p:spPr>
+        <p:style>
+          <a:lnRef idx="2">
+            <a:schemeClr val="accent1">
+              <a:shade val="50000"/>
+            </a:schemeClr>
+          </a:lnRef>
+          <a:fillRef idx="1">
+            <a:schemeClr val="accent1"/>
+          </a:fillRef>
+          <a:effectRef idx="0">
+            <a:schemeClr val="accent1"/>
+          </a:effectRef>
+          <a:fontRef idx="minor">
+            <a:schemeClr val="lt1"/>
+          </a:fontRef>
+        </p:style>
+        <p:txBody>
+          <a:bodyPr rtlCol="0" anchor="ctr"/>
+          <a:lstStyle/>
+          <a:p>
+            <a:pPr algn="ctr"/>
+            <a:endParaRPr lang="en-US">
+              <a:solidFill>
+                <a:schemeClr val="tx1"/>
+              </a:solidFill>
+            </a:endParaRPr>
+          </a:p>
+        </p:txBody>
+      </p:sp>
+    </p:spTree>
+    <p:extLst>
+      <p:ext uri="{BB962C8B-B14F-4D97-AF65-F5344CB8AC3E}">
+        <p14:creationId xmlns:p14="http://schemas.microsoft.com/office/powerpoint/2010/main" val="2504359775"/>
+      </p:ext>
+    </p:extLst>
+  </p:cSld>
+  <p:clrMapOvr>
+    <a:masterClrMapping/>
+  </p:clrMapOvr>
+</p:sld>
+</file>
+
+<file path=ppt/slides/slide11.xml><?xml version="1.0" encoding="utf-8"?>
+<p:sld xmlns:a="http://schemas.openxmlformats.org/drawingml/2006/main" xmlns:r="http://schemas.openxmlformats.org/officeDocument/2006/relationships" xmlns:p="http://schemas.openxmlformats.org/presentationml/2006/main">
+  <p:cSld>
+    <p:spTree>
+      <p:nvGrpSpPr>
+        <p:cNvPr id="1" name=""/>
+        <p:cNvGrpSpPr/>
+        <p:nvPr/>
+      </p:nvGrpSpPr>
+      <p:grpSpPr>
+        <a:xfrm>
+          <a:off x="0" y="0"/>
+          <a:ext cx="0" cy="0"/>
+          <a:chOff x="0" y="0"/>
+          <a:chExt cx="0" cy="0"/>
+        </a:xfrm>
+      </p:grpSpPr>
+      <p:sp>
+        <p:nvSpPr>
+          <p:cNvPr id="2" name="Title 1">
+            <a:extLst>
+              <a:ext uri="{FF2B5EF4-FFF2-40B4-BE49-F238E27FC236}">
+                <a16:creationId xmlns:a16="http://schemas.microsoft.com/office/drawing/2014/main" id="{426C6FC0-868A-FB7F-4D47-B4B2DEC2E301}"/>
+              </a:ext>
+            </a:extLst>
+          </p:cNvPr>
+          <p:cNvSpPr>
+            <a:spLocks noGrp="1"/>
+          </p:cNvSpPr>
+          <p:nvPr>
+            <p:ph type="title"/>
+          </p:nvPr>
+        </p:nvSpPr>
+        <p:spPr/>
+        <p:txBody>
+          <a:bodyPr/>
+          <a:lstStyle/>
+          <a:p>
+            <a:r>
+              <a:rPr lang="en-US" dirty="0"/>
+              <a:t>Interpreting the intercept</a:t>
+            </a:r>
+          </a:p>
+        </p:txBody>
+      </p:sp>
+      <p:sp>
+        <p:nvSpPr>
+          <p:cNvPr id="3" name="Content Placeholder 2">
+            <a:extLst>
+              <a:ext uri="{FF2B5EF4-FFF2-40B4-BE49-F238E27FC236}">
+                <a16:creationId xmlns:a16="http://schemas.microsoft.com/office/drawing/2014/main" id="{E2B6F0D7-B78B-667A-96D9-5BD2844F05CA}"/>
+              </a:ext>
+            </a:extLst>
+          </p:cNvPr>
+          <p:cNvSpPr>
+            <a:spLocks noGrp="1"/>
+          </p:cNvSpPr>
+          <p:nvPr>
+            <p:ph idx="1"/>
+          </p:nvPr>
+        </p:nvSpPr>
+        <p:spPr>
+          <a:xfrm>
+            <a:off x="1097280" y="1845733"/>
+            <a:ext cx="10058400" cy="4517359"/>
+          </a:xfrm>
+        </p:spPr>
+        <p:txBody>
+          <a:bodyPr>
+            <a:normAutofit/>
+          </a:bodyPr>
+          <a:lstStyle/>
+          <a:p>
+            <a:pPr marL="201168" lvl="1" indent="0">
+              <a:buNone/>
+            </a:pPr>
+            <a:r>
+              <a:rPr lang="en-US" sz="2600" b="1" dirty="0"/>
+              <a:t>What does this 0.18 mean? </a:t>
+            </a:r>
+          </a:p>
+          <a:p>
+            <a:pPr marL="201168" lvl="1" indent="0">
+              <a:buNone/>
+            </a:pPr>
+            <a:endParaRPr lang="en-US" b="1" dirty="0"/>
+          </a:p>
+          <a:p>
+            <a:pPr marL="201168" lvl="1" indent="0">
+              <a:buNone/>
+            </a:pPr>
+            <a:endParaRPr lang="en-US" b="1" dirty="0"/>
+          </a:p>
+          <a:p>
+            <a:pPr marL="201168" lvl="1" indent="0">
+              <a:buNone/>
+            </a:pPr>
+            <a:r>
+              <a:rPr lang="en-US" sz="2800" dirty="0"/>
+              <a:t>The predicted probability that someone will get a pizza is </a:t>
+            </a:r>
+            <a:r>
+              <a:rPr lang="en-US" sz="2800" b="1" dirty="0"/>
+              <a:t>18%</a:t>
+            </a:r>
+            <a:r>
+              <a:rPr lang="en-US" sz="2800" dirty="0"/>
+              <a:t> when </a:t>
+            </a:r>
+            <a:r>
+              <a:rPr lang="en-US" sz="2800" i="1" dirty="0"/>
+              <a:t>age (how long someone has been on Reddit)</a:t>
+            </a:r>
+            <a:r>
+              <a:rPr lang="en-US" sz="2800" dirty="0"/>
+              <a:t> is zero, </a:t>
+            </a:r>
+            <a:r>
+              <a:rPr lang="en-US" sz="2800" i="1" dirty="0"/>
+              <a:t>karma</a:t>
+            </a:r>
+            <a:r>
+              <a:rPr lang="en-US" sz="2800" dirty="0"/>
+              <a:t> is zero, there are 0 </a:t>
+            </a:r>
+            <a:r>
+              <a:rPr lang="en-US" sz="2800" i="1" dirty="0"/>
+              <a:t>total posts</a:t>
+            </a:r>
+            <a:r>
+              <a:rPr lang="en-US" sz="2800" dirty="0"/>
+              <a:t>, there are 0 </a:t>
+            </a:r>
+            <a:r>
+              <a:rPr lang="en-US" sz="2800" i="1" dirty="0"/>
+              <a:t>RAOP posts</a:t>
+            </a:r>
+            <a:r>
+              <a:rPr lang="en-US" sz="2800" dirty="0"/>
+              <a:t>, the post does not include </a:t>
+            </a:r>
+            <a:r>
+              <a:rPr lang="en-US" sz="2800" i="1" dirty="0"/>
+              <a:t>student</a:t>
+            </a:r>
+            <a:r>
+              <a:rPr lang="en-US" sz="2800" dirty="0"/>
+              <a:t>, the post does not include </a:t>
+            </a:r>
+            <a:r>
+              <a:rPr lang="en-US" sz="2800" i="1" dirty="0"/>
+              <a:t>grateful</a:t>
+            </a:r>
+            <a:r>
+              <a:rPr lang="en-US" sz="2800" dirty="0"/>
+              <a:t>, the </a:t>
+            </a:r>
+            <a:r>
+              <a:rPr lang="en-US" sz="2800" i="1" dirty="0"/>
+              <a:t>popularity of the request </a:t>
+            </a:r>
+            <a:r>
+              <a:rPr lang="en-US" sz="2800" dirty="0"/>
+              <a:t>is 0, AND the </a:t>
+            </a:r>
+            <a:r>
+              <a:rPr lang="en-US" sz="2800" i="1" dirty="0"/>
+              <a:t>score</a:t>
+            </a:r>
+            <a:r>
+              <a:rPr lang="en-US" sz="2800" dirty="0"/>
+              <a:t> is 0. </a:t>
+            </a:r>
+          </a:p>
+          <a:p>
+            <a:pPr marL="201168" lvl="1" indent="0">
+              <a:buNone/>
+            </a:pPr>
+            <a:endParaRPr lang="en-US" sz="2800" dirty="0"/>
+          </a:p>
+          <a:p>
+            <a:pPr marL="201168" lvl="1" indent="0">
+              <a:buNone/>
+            </a:pPr>
+            <a:endParaRPr lang="en-US" sz="2800" dirty="0"/>
+          </a:p>
+          <a:p>
+            <a:pPr marL="201168" lvl="1" indent="0">
+              <a:buNone/>
+            </a:pPr>
+            <a:r>
+              <a:rPr lang="en-US" sz="2400" i="1" dirty="0"/>
+              <a:t>*IVs italicized in the sentence above for easier identification.</a:t>
+            </a:r>
+          </a:p>
+        </p:txBody>
+      </p:sp>
+      <p:sp>
+        <p:nvSpPr>
+          <p:cNvPr id="4" name="Slide Number Placeholder 3">
+            <a:extLst>
+              <a:ext uri="{FF2B5EF4-FFF2-40B4-BE49-F238E27FC236}">
+                <a16:creationId xmlns:a16="http://schemas.microsoft.com/office/drawing/2014/main" id="{F757D908-7137-9648-60B3-01456286FC0E}"/>
+              </a:ext>
+            </a:extLst>
+          </p:cNvPr>
+          <p:cNvSpPr>
+            <a:spLocks noGrp="1"/>
+          </p:cNvSpPr>
+          <p:nvPr>
+            <p:ph type="sldNum" sz="quarter" idx="12"/>
+          </p:nvPr>
+        </p:nvSpPr>
+        <p:spPr/>
+        <p:txBody>
+          <a:bodyPr/>
+          <a:lstStyle/>
+          <a:p>
+            <a:fld id="{655B1877-E40C-6447-A1C3-237F6F6BE36D}" type="slidenum">
+              <a:rPr lang="en-US" smtClean="0"/>
+              <a:t>11</a:t>
+            </a:fld>
+            <a:endParaRPr lang="en-US"/>
+          </a:p>
+        </p:txBody>
+      </p:sp>
+    </p:spTree>
+    <p:extLst>
+      <p:ext uri="{BB962C8B-B14F-4D97-AF65-F5344CB8AC3E}">
+        <p14:creationId xmlns:p14="http://schemas.microsoft.com/office/powerpoint/2010/main" val="1592330195"/>
       </p:ext>
     </p:extLst>
   </p:cSld>
